--- a/PPTs/07 Custom Directives.pptx
+++ b/PPTs/07 Custom Directives.pptx
@@ -242,7 +242,7 @@
             <a:fld id="{4991502B-FFA8-47B9-B4E5-980CA415BAFF}" type="datetimeFigureOut">
               <a:rPr lang="en-US" smtClean="0"/>
               <a:pPr/>
-              <a:t>12/4/2017</a:t>
+              <a:t>12/11/2017</a:t>
             </a:fld>
             <a:endParaRPr lang="en-US"/>
           </a:p>
